--- a/K6 Performance Testing.pptx
+++ b/K6 Performance Testing.pptx
@@ -11,6 +11,8 @@
     <p:sldId id="268" r:id="rId5"/>
     <p:sldId id="270" r:id="rId6"/>
     <p:sldId id="271" r:id="rId7"/>
+    <p:sldId id="272" r:id="rId8"/>
+    <p:sldId id="273" r:id="rId9"/>
   </p:sldIdLst>
   <p:sldSz cx="12192000" cy="6858000"/>
   <p:notesSz cx="6858000" cy="9144000"/>
@@ -248,7 +250,7 @@
           <a:p>
             <a:fld id="{A31A4D9E-1248-4E03-B9F6-5C0462F65B73}" type="datetimeFigureOut">
               <a:rPr lang="en-US" smtClean="0"/>
-              <a:t>2/23/2024</a:t>
+              <a:t>2/29/2024</a:t>
             </a:fld>
             <a:endParaRPr lang="en-US"/>
           </a:p>
@@ -418,7 +420,7 @@
           <a:p>
             <a:fld id="{A31A4D9E-1248-4E03-B9F6-5C0462F65B73}" type="datetimeFigureOut">
               <a:rPr lang="en-US" smtClean="0"/>
-              <a:t>2/23/2024</a:t>
+              <a:t>2/29/2024</a:t>
             </a:fld>
             <a:endParaRPr lang="en-US"/>
           </a:p>
@@ -598,7 +600,7 @@
           <a:p>
             <a:fld id="{A31A4D9E-1248-4E03-B9F6-5C0462F65B73}" type="datetimeFigureOut">
               <a:rPr lang="en-US" smtClean="0"/>
-              <a:t>2/23/2024</a:t>
+              <a:t>2/29/2024</a:t>
             </a:fld>
             <a:endParaRPr lang="en-US"/>
           </a:p>
@@ -768,7 +770,7 @@
           <a:p>
             <a:fld id="{A31A4D9E-1248-4E03-B9F6-5C0462F65B73}" type="datetimeFigureOut">
               <a:rPr lang="en-US" smtClean="0"/>
-              <a:t>2/23/2024</a:t>
+              <a:t>2/29/2024</a:t>
             </a:fld>
             <a:endParaRPr lang="en-US"/>
           </a:p>
@@ -1014,7 +1016,7 @@
           <a:p>
             <a:fld id="{A31A4D9E-1248-4E03-B9F6-5C0462F65B73}" type="datetimeFigureOut">
               <a:rPr lang="en-US" smtClean="0"/>
-              <a:t>2/23/2024</a:t>
+              <a:t>2/29/2024</a:t>
             </a:fld>
             <a:endParaRPr lang="en-US"/>
           </a:p>
@@ -1246,7 +1248,7 @@
           <a:p>
             <a:fld id="{A31A4D9E-1248-4E03-B9F6-5C0462F65B73}" type="datetimeFigureOut">
               <a:rPr lang="en-US" smtClean="0"/>
-              <a:t>2/23/2024</a:t>
+              <a:t>2/29/2024</a:t>
             </a:fld>
             <a:endParaRPr lang="en-US"/>
           </a:p>
@@ -1613,7 +1615,7 @@
           <a:p>
             <a:fld id="{A31A4D9E-1248-4E03-B9F6-5C0462F65B73}" type="datetimeFigureOut">
               <a:rPr lang="en-US" smtClean="0"/>
-              <a:t>2/23/2024</a:t>
+              <a:t>2/29/2024</a:t>
             </a:fld>
             <a:endParaRPr lang="en-US"/>
           </a:p>
@@ -1731,7 +1733,7 @@
           <a:p>
             <a:fld id="{A31A4D9E-1248-4E03-B9F6-5C0462F65B73}" type="datetimeFigureOut">
               <a:rPr lang="en-US" smtClean="0"/>
-              <a:t>2/23/2024</a:t>
+              <a:t>2/29/2024</a:t>
             </a:fld>
             <a:endParaRPr lang="en-US"/>
           </a:p>
@@ -1826,7 +1828,7 @@
           <a:p>
             <a:fld id="{A31A4D9E-1248-4E03-B9F6-5C0462F65B73}" type="datetimeFigureOut">
               <a:rPr lang="en-US" smtClean="0"/>
-              <a:t>2/23/2024</a:t>
+              <a:t>2/29/2024</a:t>
             </a:fld>
             <a:endParaRPr lang="en-US"/>
           </a:p>
@@ -2103,7 +2105,7 @@
           <a:p>
             <a:fld id="{A31A4D9E-1248-4E03-B9F6-5C0462F65B73}" type="datetimeFigureOut">
               <a:rPr lang="en-US" smtClean="0"/>
-              <a:t>2/23/2024</a:t>
+              <a:t>2/29/2024</a:t>
             </a:fld>
             <a:endParaRPr lang="en-US"/>
           </a:p>
@@ -2360,7 +2362,7 @@
           <a:p>
             <a:fld id="{A31A4D9E-1248-4E03-B9F6-5C0462F65B73}" type="datetimeFigureOut">
               <a:rPr lang="en-US" smtClean="0"/>
-              <a:t>2/23/2024</a:t>
+              <a:t>2/29/2024</a:t>
             </a:fld>
             <a:endParaRPr lang="en-US"/>
           </a:p>
@@ -2573,7 +2575,7 @@
           <a:p>
             <a:fld id="{A31A4D9E-1248-4E03-B9F6-5C0462F65B73}" type="datetimeFigureOut">
               <a:rPr lang="en-US" smtClean="0"/>
-              <a:t>2/23/2024</a:t>
+              <a:t>2/29/2024</a:t>
             </a:fld>
             <a:endParaRPr lang="en-US"/>
           </a:p>
@@ -2980,34 +2982,748 @@
       </p:grpSpPr>
       <p:pic>
         <p:nvPicPr>
-          <p:cNvPr id="6" name="Picture 5"/>
+          <p:cNvPr id="1028" name="Picture 4" descr="Simple car design Royalty Free Vector Image - VectorStock"/>
           <p:cNvPicPr>
-            <a:picLocks noChangeAspect="1"/>
+            <a:picLocks noChangeAspect="1" noChangeArrowheads="1"/>
           </p:cNvPicPr>
           <p:nvPr/>
         </p:nvPicPr>
         <p:blipFill>
-          <a:blip r:embed="rId2">
+          <a:blip r:embed="rId2" cstate="print">
             <a:extLst>
               <a:ext uri="{28A0092B-C50C-407E-A947-70E740481C1C}">
                 <a14:useLocalDpi xmlns:a14="http://schemas.microsoft.com/office/drawing/2010/main" val="0"/>
               </a:ext>
             </a:extLst>
           </a:blip>
+          <a:srcRect/>
           <a:stretch>
             <a:fillRect/>
           </a:stretch>
         </p:blipFill>
+        <p:spPr bwMode="auto">
+          <a:xfrm>
+            <a:off x="4461175" y="465580"/>
+            <a:ext cx="1006752" cy="785266"/>
+          </a:xfrm>
+          <a:prstGeom prst="rect">
+            <a:avLst/>
+          </a:prstGeom>
+          <a:noFill/>
+          <a:extLst>
+            <a:ext uri="{909E8E84-426E-40DD-AFC4-6F175D3DCCD1}">
+              <a14:hiddenFill xmlns:a14="http://schemas.microsoft.com/office/drawing/2010/main">
+                <a:solidFill>
+                  <a:srgbClr val="FFFFFF"/>
+                </a:solidFill>
+              </a14:hiddenFill>
+            </a:ext>
+          </a:extLst>
+        </p:spPr>
+      </p:pic>
+      <p:sp>
+        <p:nvSpPr>
+          <p:cNvPr id="8" name="Rectangle 7"/>
+          <p:cNvSpPr/>
+          <p:nvPr/>
+        </p:nvSpPr>
         <p:spPr>
           <a:xfrm>
-            <a:off x="3000569" y="2741768"/>
-            <a:ext cx="3638771" cy="2032954"/>
+            <a:off x="288233" y="715605"/>
+            <a:ext cx="2256183" cy="944217"/>
           </a:xfrm>
           <a:prstGeom prst="rect">
             <a:avLst/>
           </a:prstGeom>
         </p:spPr>
+        <p:style>
+          <a:lnRef idx="2">
+            <a:schemeClr val="accent1">
+              <a:shade val="50000"/>
+            </a:schemeClr>
+          </a:lnRef>
+          <a:fillRef idx="1">
+            <a:schemeClr val="accent1"/>
+          </a:fillRef>
+          <a:effectRef idx="0">
+            <a:schemeClr val="accent1"/>
+          </a:effectRef>
+          <a:fontRef idx="minor">
+            <a:schemeClr val="lt1"/>
+          </a:fontRef>
+        </p:style>
+        <p:txBody>
+          <a:bodyPr rtlCol="0" anchor="ctr"/>
+          <a:lstStyle/>
+          <a:p>
+            <a:pPr algn="ctr"/>
+            <a:r>
+              <a:rPr lang="en-US" dirty="0"/>
+              <a:t>Bangalore</a:t>
+            </a:r>
+          </a:p>
+        </p:txBody>
+      </p:sp>
+      <p:sp>
+        <p:nvSpPr>
+          <p:cNvPr id="10" name="Rectangle 9"/>
+          <p:cNvSpPr/>
+          <p:nvPr/>
+        </p:nvSpPr>
+        <p:spPr>
+          <a:xfrm>
+            <a:off x="8789504" y="715605"/>
+            <a:ext cx="2256183" cy="944217"/>
+          </a:xfrm>
+          <a:prstGeom prst="rect">
+            <a:avLst/>
+          </a:prstGeom>
+        </p:spPr>
+        <p:style>
+          <a:lnRef idx="2">
+            <a:schemeClr val="accent1">
+              <a:shade val="50000"/>
+            </a:schemeClr>
+          </a:lnRef>
+          <a:fillRef idx="1">
+            <a:schemeClr val="accent1"/>
+          </a:fillRef>
+          <a:effectRef idx="0">
+            <a:schemeClr val="accent1"/>
+          </a:effectRef>
+          <a:fontRef idx="minor">
+            <a:schemeClr val="lt1"/>
+          </a:fontRef>
+        </p:style>
+        <p:txBody>
+          <a:bodyPr rtlCol="0" anchor="ctr"/>
+          <a:lstStyle/>
+          <a:p>
+            <a:pPr algn="ctr"/>
+            <a:r>
+              <a:rPr lang="en-US" dirty="0" smtClean="0"/>
+              <a:t>Pune</a:t>
+            </a:r>
+            <a:endParaRPr lang="en-US" dirty="0"/>
+          </a:p>
+        </p:txBody>
+      </p:sp>
+      <p:sp>
+        <p:nvSpPr>
+          <p:cNvPr id="9" name="TextBox 8"/>
+          <p:cNvSpPr txBox="1"/>
+          <p:nvPr/>
+        </p:nvSpPr>
+        <p:spPr>
+          <a:xfrm>
+            <a:off x="8736595" y="5098802"/>
+            <a:ext cx="4412974" cy="646331"/>
+          </a:xfrm>
+          <a:prstGeom prst="rect">
+            <a:avLst/>
+          </a:prstGeom>
+          <a:noFill/>
+        </p:spPr>
+        <p:txBody>
+          <a:bodyPr wrap="square" rtlCol="0">
+            <a:spAutoFit/>
+          </a:bodyPr>
+          <a:lstStyle/>
+          <a:p>
+            <a:r>
+              <a:rPr lang="en-US" b="1" dirty="0" smtClean="0"/>
+              <a:t>Latency: 14 Hours.</a:t>
+            </a:r>
+          </a:p>
+          <a:p>
+            <a:r>
+              <a:rPr lang="en-US" b="1" dirty="0" smtClean="0"/>
+              <a:t>Through Put: 50/14</a:t>
+            </a:r>
+            <a:endParaRPr lang="en-US" dirty="0"/>
+          </a:p>
+        </p:txBody>
+      </p:sp>
+      <p:sp>
+        <p:nvSpPr>
+          <p:cNvPr id="13" name="Rectangle 12"/>
+          <p:cNvSpPr/>
+          <p:nvPr/>
+        </p:nvSpPr>
+        <p:spPr>
+          <a:xfrm>
+            <a:off x="288233" y="3942134"/>
+            <a:ext cx="2256183" cy="944217"/>
+          </a:xfrm>
+          <a:prstGeom prst="rect">
+            <a:avLst/>
+          </a:prstGeom>
+        </p:spPr>
+        <p:style>
+          <a:lnRef idx="2">
+            <a:schemeClr val="accent1">
+              <a:shade val="50000"/>
+            </a:schemeClr>
+          </a:lnRef>
+          <a:fillRef idx="1">
+            <a:schemeClr val="accent1"/>
+          </a:fillRef>
+          <a:effectRef idx="0">
+            <a:schemeClr val="accent1"/>
+          </a:effectRef>
+          <a:fontRef idx="minor">
+            <a:schemeClr val="lt1"/>
+          </a:fontRef>
+        </p:style>
+        <p:txBody>
+          <a:bodyPr rtlCol="0" anchor="ctr"/>
+          <a:lstStyle/>
+          <a:p>
+            <a:pPr algn="ctr"/>
+            <a:r>
+              <a:rPr lang="en-US" dirty="0"/>
+              <a:t>Bangalore</a:t>
+            </a:r>
+          </a:p>
+        </p:txBody>
+      </p:sp>
+      <p:sp>
+        <p:nvSpPr>
+          <p:cNvPr id="14" name="Rectangle 13"/>
+          <p:cNvSpPr/>
+          <p:nvPr/>
+        </p:nvSpPr>
+        <p:spPr>
+          <a:xfrm>
+            <a:off x="8862391" y="3957301"/>
+            <a:ext cx="2256183" cy="944217"/>
+          </a:xfrm>
+          <a:prstGeom prst="rect">
+            <a:avLst/>
+          </a:prstGeom>
+        </p:spPr>
+        <p:style>
+          <a:lnRef idx="2">
+            <a:schemeClr val="accent1">
+              <a:shade val="50000"/>
+            </a:schemeClr>
+          </a:lnRef>
+          <a:fillRef idx="1">
+            <a:schemeClr val="accent1"/>
+          </a:fillRef>
+          <a:effectRef idx="0">
+            <a:schemeClr val="accent1"/>
+          </a:effectRef>
+          <a:fontRef idx="minor">
+            <a:schemeClr val="lt1"/>
+          </a:fontRef>
+        </p:style>
+        <p:txBody>
+          <a:bodyPr rtlCol="0" anchor="ctr"/>
+          <a:lstStyle/>
+          <a:p>
+            <a:pPr algn="ctr"/>
+            <a:r>
+              <a:rPr lang="en-US" dirty="0" smtClean="0"/>
+              <a:t>Pune</a:t>
+            </a:r>
+            <a:endParaRPr lang="en-US" dirty="0"/>
+          </a:p>
+        </p:txBody>
+      </p:sp>
+      <p:sp>
+        <p:nvSpPr>
+          <p:cNvPr id="12" name="AutoShape 6" descr="How to Draw a Bus: 5 Steps (with Pictures) - wikiHow"/>
+          <p:cNvSpPr>
+            <a:spLocks noChangeAspect="1" noChangeArrowheads="1"/>
+          </p:cNvSpPr>
+          <p:nvPr/>
+        </p:nvSpPr>
+        <p:spPr bwMode="auto">
+          <a:xfrm>
+            <a:off x="4376530" y="4313324"/>
+            <a:ext cx="169291" cy="169292"/>
+          </a:xfrm>
+          <a:prstGeom prst="rect">
+            <a:avLst/>
+          </a:prstGeom>
+          <a:noFill/>
+          <a:extLst>
+            <a:ext uri="{909E8E84-426E-40DD-AFC4-6F175D3DCCD1}">
+              <a14:hiddenFill xmlns:a14="http://schemas.microsoft.com/office/drawing/2010/main">
+                <a:solidFill>
+                  <a:srgbClr val="FFFFFF"/>
+                </a:solidFill>
+              </a14:hiddenFill>
+            </a:ext>
+          </a:extLst>
+        </p:spPr>
+        <p:txBody>
+          <a:bodyPr vert="horz" wrap="square" lIns="91440" tIns="45720" rIns="91440" bIns="45720" numCol="1" anchor="t" anchorCtr="0" compatLnSpc="1">
+            <a:prstTxWarp prst="textNoShape">
+              <a:avLst/>
+            </a:prstTxWarp>
+          </a:bodyPr>
+          <a:lstStyle/>
+          <a:p>
+            <a:endParaRPr lang="en-US"/>
+          </a:p>
+        </p:txBody>
+      </p:sp>
+      <p:pic>
+        <p:nvPicPr>
+          <p:cNvPr id="1032" name="Picture 8" descr="How to Draw a Bus: 5 Steps (with Pictures) - wikiHow"/>
+          <p:cNvPicPr>
+            <a:picLocks noChangeAspect="1" noChangeArrowheads="1"/>
+          </p:cNvPicPr>
+          <p:nvPr/>
+        </p:nvPicPr>
+        <p:blipFill>
+          <a:blip r:embed="rId3" cstate="print">
+            <a:extLst>
+              <a:ext uri="{28A0092B-C50C-407E-A947-70E740481C1C}">
+                <a14:useLocalDpi xmlns:a14="http://schemas.microsoft.com/office/drawing/2010/main" val="0"/>
+              </a:ext>
+            </a:extLst>
+          </a:blip>
+          <a:srcRect/>
+          <a:stretch>
+            <a:fillRect/>
+          </a:stretch>
+        </p:blipFill>
+        <p:spPr bwMode="auto">
+          <a:xfrm>
+            <a:off x="4255377" y="3263168"/>
+            <a:ext cx="1909180" cy="1072612"/>
+          </a:xfrm>
+          <a:prstGeom prst="rect">
+            <a:avLst/>
+          </a:prstGeom>
+          <a:noFill/>
+          <a:extLst>
+            <a:ext uri="{909E8E84-426E-40DD-AFC4-6F175D3DCCD1}">
+              <a14:hiddenFill xmlns:a14="http://schemas.microsoft.com/office/drawing/2010/main">
+                <a:solidFill>
+                  <a:srgbClr val="FFFFFF"/>
+                </a:solidFill>
+              </a14:hiddenFill>
+            </a:ext>
+          </a:extLst>
+        </p:spPr>
       </p:pic>
+      <p:sp>
+        <p:nvSpPr>
+          <p:cNvPr id="16" name="Rectangle 15"/>
+          <p:cNvSpPr/>
+          <p:nvPr/>
+        </p:nvSpPr>
+        <p:spPr>
+          <a:xfrm>
+            <a:off x="1065997" y="2731843"/>
+            <a:ext cx="2564295" cy="407505"/>
+          </a:xfrm>
+          <a:prstGeom prst="rect">
+            <a:avLst/>
+          </a:prstGeom>
+          <a:solidFill>
+            <a:schemeClr val="accent6">
+              <a:lumMod val="50000"/>
+            </a:schemeClr>
+          </a:solidFill>
+        </p:spPr>
+        <p:style>
+          <a:lnRef idx="2">
+            <a:schemeClr val="accent1">
+              <a:shade val="50000"/>
+            </a:schemeClr>
+          </a:lnRef>
+          <a:fillRef idx="1">
+            <a:schemeClr val="accent1"/>
+          </a:fillRef>
+          <a:effectRef idx="0">
+            <a:schemeClr val="accent1"/>
+          </a:effectRef>
+          <a:fontRef idx="minor">
+            <a:schemeClr val="lt1"/>
+          </a:fontRef>
+        </p:style>
+        <p:txBody>
+          <a:bodyPr rtlCol="0" anchor="ctr"/>
+          <a:lstStyle/>
+          <a:p>
+            <a:pPr algn="ctr"/>
+            <a:r>
+              <a:rPr lang="en-US" dirty="0" smtClean="0"/>
+              <a:t>Low Latency</a:t>
+            </a:r>
+            <a:endParaRPr lang="en-US" dirty="0"/>
+          </a:p>
+        </p:txBody>
+      </p:sp>
+      <p:sp>
+        <p:nvSpPr>
+          <p:cNvPr id="19" name="Rectangle 18"/>
+          <p:cNvSpPr/>
+          <p:nvPr/>
+        </p:nvSpPr>
+        <p:spPr>
+          <a:xfrm>
+            <a:off x="7007087" y="2717567"/>
+            <a:ext cx="2564295" cy="407505"/>
+          </a:xfrm>
+          <a:prstGeom prst="rect">
+            <a:avLst/>
+          </a:prstGeom>
+          <a:solidFill>
+            <a:schemeClr val="accent6">
+              <a:lumMod val="50000"/>
+            </a:schemeClr>
+          </a:solidFill>
+        </p:spPr>
+        <p:style>
+          <a:lnRef idx="2">
+            <a:schemeClr val="accent1">
+              <a:shade val="50000"/>
+            </a:schemeClr>
+          </a:lnRef>
+          <a:fillRef idx="1">
+            <a:schemeClr val="accent1"/>
+          </a:fillRef>
+          <a:effectRef idx="0">
+            <a:schemeClr val="accent1"/>
+          </a:effectRef>
+          <a:fontRef idx="minor">
+            <a:schemeClr val="lt1"/>
+          </a:fontRef>
+        </p:style>
+        <p:txBody>
+          <a:bodyPr rtlCol="0" anchor="ctr"/>
+          <a:lstStyle/>
+          <a:p>
+            <a:pPr algn="ctr"/>
+            <a:r>
+              <a:rPr lang="en-US" dirty="0" smtClean="0"/>
+              <a:t>High Throughput</a:t>
+            </a:r>
+            <a:endParaRPr lang="en-US" dirty="0"/>
+          </a:p>
+        </p:txBody>
+      </p:sp>
+      <p:sp>
+        <p:nvSpPr>
+          <p:cNvPr id="20" name="TextBox 19"/>
+          <p:cNvSpPr txBox="1"/>
+          <p:nvPr/>
+        </p:nvSpPr>
+        <p:spPr>
+          <a:xfrm>
+            <a:off x="4449417" y="4648491"/>
+            <a:ext cx="4412974" cy="923330"/>
+          </a:xfrm>
+          <a:prstGeom prst="rect">
+            <a:avLst/>
+          </a:prstGeom>
+          <a:noFill/>
+        </p:spPr>
+        <p:txBody>
+          <a:bodyPr wrap="square" rtlCol="0">
+            <a:spAutoFit/>
+          </a:bodyPr>
+          <a:lstStyle/>
+          <a:p>
+            <a:r>
+              <a:rPr lang="en-US" b="1" dirty="0" smtClean="0"/>
+              <a:t>Speed</a:t>
+            </a:r>
+            <a:r>
+              <a:rPr lang="en-US" dirty="0" smtClean="0"/>
+              <a:t> : 70  Km/Hour</a:t>
+            </a:r>
+          </a:p>
+          <a:p>
+            <a:r>
+              <a:rPr lang="en-US" dirty="0" smtClean="0"/>
+              <a:t>Duration : 14 hours</a:t>
+            </a:r>
+            <a:endParaRPr lang="en-US" dirty="0"/>
+          </a:p>
+          <a:p>
+            <a:r>
+              <a:rPr lang="en-US" dirty="0" smtClean="0"/>
+              <a:t>Capacity: 50</a:t>
+            </a:r>
+            <a:endParaRPr lang="en-US" dirty="0"/>
+          </a:p>
+        </p:txBody>
+      </p:sp>
+      <p:sp>
+        <p:nvSpPr>
+          <p:cNvPr id="22" name="TextBox 21"/>
+          <p:cNvSpPr txBox="1"/>
+          <p:nvPr/>
+        </p:nvSpPr>
+        <p:spPr>
+          <a:xfrm>
+            <a:off x="221519" y="0"/>
+            <a:ext cx="8067716" cy="584775"/>
+          </a:xfrm>
+          <a:prstGeom prst="rect">
+            <a:avLst/>
+          </a:prstGeom>
+          <a:noFill/>
+        </p:spPr>
+        <p:txBody>
+          <a:bodyPr wrap="square" rtlCol="0">
+            <a:spAutoFit/>
+          </a:bodyPr>
+          <a:lstStyle/>
+          <a:p>
+            <a:r>
+              <a:rPr lang="en-US" sz="3200" b="1" dirty="0" smtClean="0">
+                <a:solidFill>
+                  <a:schemeClr val="accent4"/>
+                </a:solidFill>
+                <a:latin typeface="Arial" panose="020B0604020202020204" pitchFamily="34" charset="0"/>
+                <a:cs typeface="Arial" panose="020B0604020202020204" pitchFamily="34" charset="0"/>
+              </a:rPr>
+              <a:t>Quick Refresher on Performance Testing</a:t>
+            </a:r>
+            <a:endParaRPr lang="en-US" sz="3200" b="1" dirty="0">
+              <a:solidFill>
+                <a:schemeClr val="accent4"/>
+              </a:solidFill>
+              <a:latin typeface="Arial" panose="020B0604020202020204" pitchFamily="34" charset="0"/>
+              <a:cs typeface="Arial" panose="020B0604020202020204" pitchFamily="34" charset="0"/>
+            </a:endParaRPr>
+          </a:p>
+        </p:txBody>
+      </p:sp>
+      <p:cxnSp>
+        <p:nvCxnSpPr>
+          <p:cNvPr id="18" name="Straight Arrow Connector 17"/>
+          <p:cNvCxnSpPr>
+            <a:stCxn id="8" idx="3"/>
+            <a:endCxn id="10" idx="1"/>
+          </p:cNvCxnSpPr>
+          <p:nvPr/>
+        </p:nvCxnSpPr>
+        <p:spPr>
+          <a:xfrm>
+            <a:off x="2544416" y="1187714"/>
+            <a:ext cx="6245088" cy="0"/>
+          </a:xfrm>
+          <a:prstGeom prst="straightConnector1">
+            <a:avLst/>
+          </a:prstGeom>
+          <a:ln>
+            <a:tailEnd type="triangle"/>
+          </a:ln>
+        </p:spPr>
+        <p:style>
+          <a:lnRef idx="1">
+            <a:schemeClr val="accent1"/>
+          </a:lnRef>
+          <a:fillRef idx="0">
+            <a:schemeClr val="accent1"/>
+          </a:fillRef>
+          <a:effectRef idx="0">
+            <a:schemeClr val="accent1"/>
+          </a:effectRef>
+          <a:fontRef idx="minor">
+            <a:schemeClr val="tx1"/>
+          </a:fontRef>
+        </p:style>
+      </p:cxnSp>
+      <p:cxnSp>
+        <p:nvCxnSpPr>
+          <p:cNvPr id="28" name="Straight Arrow Connector 27"/>
+          <p:cNvCxnSpPr/>
+          <p:nvPr/>
+        </p:nvCxnSpPr>
+        <p:spPr>
+          <a:xfrm>
+            <a:off x="2617303" y="4396301"/>
+            <a:ext cx="6245088" cy="0"/>
+          </a:xfrm>
+          <a:prstGeom prst="straightConnector1">
+            <a:avLst/>
+          </a:prstGeom>
+          <a:ln>
+            <a:tailEnd type="triangle"/>
+          </a:ln>
+        </p:spPr>
+        <p:style>
+          <a:lnRef idx="1">
+            <a:schemeClr val="accent1"/>
+          </a:lnRef>
+          <a:fillRef idx="0">
+            <a:schemeClr val="accent1"/>
+          </a:fillRef>
+          <a:effectRef idx="0">
+            <a:schemeClr val="accent1"/>
+          </a:effectRef>
+          <a:fontRef idx="minor">
+            <a:schemeClr val="tx1"/>
+          </a:fontRef>
+        </p:style>
+      </p:cxnSp>
+      <p:sp>
+        <p:nvSpPr>
+          <p:cNvPr id="2" name="Rectangle 1"/>
+          <p:cNvSpPr/>
+          <p:nvPr/>
+        </p:nvSpPr>
+        <p:spPr>
+          <a:xfrm>
+            <a:off x="1809723" y="6257515"/>
+            <a:ext cx="9513455" cy="369332"/>
+          </a:xfrm>
+          <a:prstGeom prst="rect">
+            <a:avLst/>
+          </a:prstGeom>
+        </p:spPr>
+        <p:txBody>
+          <a:bodyPr wrap="square">
+            <a:spAutoFit/>
+          </a:bodyPr>
+          <a:lstStyle/>
+          <a:p>
+            <a:r>
+              <a:rPr lang="en-US" b="1" dirty="0">
+                <a:solidFill>
+                  <a:srgbClr val="222222"/>
+                </a:solidFill>
+                <a:latin typeface="-apple-system"/>
+              </a:rPr>
+              <a:t>User Load=Transactions per second * (Response Time + Total Think Time + Pacing)</a:t>
+            </a:r>
+            <a:endParaRPr lang="en-US" dirty="0"/>
+          </a:p>
+        </p:txBody>
+      </p:sp>
+      <p:sp>
+        <p:nvSpPr>
+          <p:cNvPr id="3" name="TextBox 2"/>
+          <p:cNvSpPr txBox="1"/>
+          <p:nvPr/>
+        </p:nvSpPr>
+        <p:spPr>
+          <a:xfrm>
+            <a:off x="333513" y="5348684"/>
+            <a:ext cx="2210903" cy="461665"/>
+          </a:xfrm>
+          <a:prstGeom prst="rect">
+            <a:avLst/>
+          </a:prstGeom>
+          <a:noFill/>
+        </p:spPr>
+        <p:txBody>
+          <a:bodyPr wrap="square" rtlCol="0">
+            <a:spAutoFit/>
+          </a:bodyPr>
+          <a:lstStyle/>
+          <a:p>
+            <a:r>
+              <a:rPr lang="en-US" sz="2400" dirty="0" smtClean="0">
+                <a:solidFill>
+                  <a:schemeClr val="accent5"/>
+                </a:solidFill>
+                <a:latin typeface="Blackadder ITC" panose="04020505051007020D02" pitchFamily="82" charset="0"/>
+              </a:rPr>
+              <a:t>Little’s Law</a:t>
+            </a:r>
+            <a:endParaRPr lang="en-US" sz="2400" dirty="0">
+              <a:solidFill>
+                <a:schemeClr val="accent5"/>
+              </a:solidFill>
+              <a:latin typeface="Blackadder ITC" panose="04020505051007020D02" pitchFamily="82" charset="0"/>
+            </a:endParaRPr>
+          </a:p>
+        </p:txBody>
+      </p:sp>
+      <p:sp>
+        <p:nvSpPr>
+          <p:cNvPr id="21" name="TextBox 20"/>
+          <p:cNvSpPr txBox="1"/>
+          <p:nvPr/>
+        </p:nvSpPr>
+        <p:spPr>
+          <a:xfrm>
+            <a:off x="8650255" y="1709417"/>
+            <a:ext cx="4412974" cy="646331"/>
+          </a:xfrm>
+          <a:prstGeom prst="rect">
+            <a:avLst/>
+          </a:prstGeom>
+          <a:noFill/>
+        </p:spPr>
+        <p:txBody>
+          <a:bodyPr wrap="square" rtlCol="0">
+            <a:spAutoFit/>
+          </a:bodyPr>
+          <a:lstStyle/>
+          <a:p>
+            <a:r>
+              <a:rPr lang="en-US" b="1" dirty="0" smtClean="0"/>
+              <a:t>Latency: 9 Hours</a:t>
+            </a:r>
+          </a:p>
+          <a:p>
+            <a:r>
+              <a:rPr lang="en-US" b="1" dirty="0" smtClean="0"/>
+              <a:t>Throughput : 5/9  = ~.05</a:t>
+            </a:r>
+            <a:endParaRPr lang="en-US" dirty="0"/>
+          </a:p>
+        </p:txBody>
+      </p:sp>
+      <p:sp>
+        <p:nvSpPr>
+          <p:cNvPr id="23" name="TextBox 22"/>
+          <p:cNvSpPr txBox="1"/>
+          <p:nvPr/>
+        </p:nvSpPr>
+        <p:spPr>
+          <a:xfrm>
+            <a:off x="4512364" y="1518970"/>
+            <a:ext cx="4412974" cy="923330"/>
+          </a:xfrm>
+          <a:prstGeom prst="rect">
+            <a:avLst/>
+          </a:prstGeom>
+          <a:noFill/>
+        </p:spPr>
+        <p:txBody>
+          <a:bodyPr wrap="square" rtlCol="0">
+            <a:spAutoFit/>
+          </a:bodyPr>
+          <a:lstStyle/>
+          <a:p>
+            <a:r>
+              <a:rPr lang="en-US" b="1" dirty="0" smtClean="0"/>
+              <a:t>Speed</a:t>
+            </a:r>
+            <a:r>
+              <a:rPr lang="en-US" dirty="0" smtClean="0"/>
+              <a:t> : 100  Km/Hour</a:t>
+            </a:r>
+          </a:p>
+          <a:p>
+            <a:r>
+              <a:rPr lang="en-US" dirty="0" smtClean="0"/>
+              <a:t>Duration : 9 hours</a:t>
+            </a:r>
+            <a:endParaRPr lang="en-US" dirty="0"/>
+          </a:p>
+          <a:p>
+            <a:r>
+              <a:rPr lang="en-US" dirty="0" smtClean="0"/>
+              <a:t>Capacity: 5</a:t>
+            </a:r>
+            <a:endParaRPr lang="en-US" dirty="0"/>
+          </a:p>
+        </p:txBody>
+      </p:sp>
     </p:spTree>
     <p:extLst>
       <p:ext uri="{BB962C8B-B14F-4D97-AF65-F5344CB8AC3E}">
@@ -3018,6 +3734,13 @@
   <p:clrMapOvr>
     <a:masterClrMapping/>
   </p:clrMapOvr>
+  <p:timing>
+    <p:tnLst>
+      <p:par>
+        <p:cTn id="1" dur="indefinite" restart="never" nodeType="tmRoot"/>
+      </p:par>
+    </p:tnLst>
+  </p:timing>
 </p:sld>
 </file>
 
@@ -3967,13 +4690,7 @@
               <a:rPr lang="en-US" sz="1600" i="1" dirty="0">
                 <a:latin typeface="Roboto Mono"/>
               </a:rPr>
-              <a:t>Executed initially once , to load test data from external </a:t>
-            </a:r>
-            <a:r>
-              <a:rPr lang="en-US" sz="1600" i="1" dirty="0">
-                <a:latin typeface="Roboto Mono"/>
-              </a:rPr>
-              <a:t>sources   </a:t>
+              <a:t>Executed initially once , to load test data from external sources   </a:t>
             </a:r>
             <a:r>
               <a:rPr lang="en-US" dirty="0" smtClean="0">
@@ -4352,14 +5069,6 @@
               </a:rPr>
               <a:t>of Real time data</a:t>
             </a:r>
-            <a:endParaRPr lang="en-US" sz="3200" b="1" dirty="0">
-              <a:solidFill>
-                <a:schemeClr val="accent4"/>
-              </a:solidFill>
-              <a:latin typeface="Arial" panose="020B0604020202020204" pitchFamily="34" charset="0"/>
-              <a:ea typeface="+mn-ea"/>
-              <a:cs typeface="Arial" panose="020B0604020202020204" pitchFamily="34" charset="0"/>
-            </a:endParaRPr>
           </a:p>
         </p:txBody>
       </p:sp>
@@ -4375,43 +5084,64 @@
         </p:nvSpPr>
         <p:spPr>
           <a:xfrm>
-            <a:off x="700708" y="1921521"/>
+            <a:off x="645290" y="1690688"/>
             <a:ext cx="10154479" cy="2348809"/>
           </a:xfrm>
         </p:spPr>
         <p:txBody>
           <a:bodyPr>
-            <a:normAutofit fontScale="92500" lnSpcReduction="20000"/>
+            <a:normAutofit fontScale="77500" lnSpcReduction="20000"/>
           </a:bodyPr>
           <a:lstStyle/>
           <a:p>
             <a:r>
-              <a:rPr lang="en-US" dirty="0" smtClean="0"/>
+              <a:rPr lang="en-US" dirty="0" smtClean="0">
+                <a:latin typeface="Arial" panose="020B0604020202020204" pitchFamily="34" charset="0"/>
+                <a:cs typeface="Arial" panose="020B0604020202020204" pitchFamily="34" charset="0"/>
+              </a:rPr>
               <a:t>Use of faker library for data parameterization.</a:t>
             </a:r>
           </a:p>
           <a:p>
-            <a:endParaRPr lang="en-US" dirty="0"/>
-          </a:p>
-          <a:p>
-            <a:r>
-              <a:rPr lang="en-US" dirty="0" smtClean="0"/>
+            <a:endParaRPr lang="en-US" dirty="0">
+              <a:latin typeface="Arial" panose="020B0604020202020204" pitchFamily="34" charset="0"/>
+              <a:cs typeface="Arial" panose="020B0604020202020204" pitchFamily="34" charset="0"/>
+            </a:endParaRPr>
+          </a:p>
+          <a:p>
+            <a:r>
+              <a:rPr lang="en-US" dirty="0" smtClean="0">
+                <a:latin typeface="Arial" panose="020B0604020202020204" pitchFamily="34" charset="0"/>
+                <a:cs typeface="Arial" panose="020B0604020202020204" pitchFamily="34" charset="0"/>
+              </a:rPr>
               <a:t>Connect to external source such as DB, JSON file and create a shared array across virtual users.</a:t>
             </a:r>
           </a:p>
           <a:p>
-            <a:endParaRPr lang="en-US" dirty="0"/>
-          </a:p>
-          <a:p>
-            <a:r>
-              <a:rPr lang="en-US" dirty="0" smtClean="0"/>
-              <a:t>Shared Array Constraints - </a:t>
-            </a:r>
-            <a:r>
-              <a:rPr lang="en-US" dirty="0" err="1" smtClean="0"/>
-              <a:t>Wou</a:t>
-            </a:r>
-            <a:endParaRPr lang="en-US" dirty="0"/>
+            <a:endParaRPr lang="en-US" dirty="0">
+              <a:latin typeface="Arial" panose="020B0604020202020204" pitchFamily="34" charset="0"/>
+              <a:cs typeface="Arial" panose="020B0604020202020204" pitchFamily="34" charset="0"/>
+            </a:endParaRPr>
+          </a:p>
+          <a:p>
+            <a:r>
+              <a:rPr lang="en-US" dirty="0" smtClean="0">
+                <a:latin typeface="Arial" panose="020B0604020202020204" pitchFamily="34" charset="0"/>
+                <a:cs typeface="Arial" panose="020B0604020202020204" pitchFamily="34" charset="0"/>
+              </a:rPr>
+              <a:t>Shared Array Constraints </a:t>
+            </a:r>
+            <a:r>
+              <a:rPr lang="en-US" dirty="0" smtClean="0">
+                <a:latin typeface="Arial" panose="020B0604020202020204" pitchFamily="34" charset="0"/>
+                <a:cs typeface="Arial" panose="020B0604020202020204" pitchFamily="34" charset="0"/>
+              </a:rPr>
+              <a:t>– Would not be able to share the data across VU</a:t>
+            </a:r>
+            <a:endParaRPr lang="en-US" dirty="0">
+              <a:latin typeface="Arial" panose="020B0604020202020204" pitchFamily="34" charset="0"/>
+              <a:cs typeface="Arial" panose="020B0604020202020204" pitchFamily="34" charset="0"/>
+            </a:endParaRPr>
           </a:p>
         </p:txBody>
       </p:sp>
@@ -4883,6 +5613,13 @@
   <p:clrMapOvr>
     <a:masterClrMapping/>
   </p:clrMapOvr>
+  <p:timing>
+    <p:tnLst>
+      <p:par>
+        <p:cTn id="1" dur="indefinite" restart="never" nodeType="tmRoot"/>
+      </p:par>
+    </p:tnLst>
+  </p:timing>
 </p:sld>
 </file>
 
@@ -4931,14 +5668,6 @@
               </a:rPr>
               <a:t>Simulation of Real time Traffic</a:t>
             </a:r>
-            <a:endParaRPr lang="en-US" sz="3200" b="1" dirty="0">
-              <a:solidFill>
-                <a:schemeClr val="accent4"/>
-              </a:solidFill>
-              <a:latin typeface="Arial" panose="020B0604020202020204" pitchFamily="34" charset="0"/>
-              <a:ea typeface="+mn-ea"/>
-              <a:cs typeface="Arial" panose="020B0604020202020204" pitchFamily="34" charset="0"/>
-            </a:endParaRPr>
           </a:p>
         </p:txBody>
       </p:sp>
@@ -4963,19 +5692,31 @@
           <a:lstStyle/>
           <a:p>
             <a:r>
-              <a:rPr lang="en-US" dirty="0" smtClean="0"/>
+              <a:rPr lang="en-US" dirty="0" smtClean="0">
+                <a:latin typeface="Arial" panose="020B0604020202020204" pitchFamily="34" charset="0"/>
+                <a:cs typeface="Arial" panose="020B0604020202020204" pitchFamily="34" charset="0"/>
+              </a:rPr>
               <a:t>Simulation of real time traffic by controlling the number of virtual users and iterations.</a:t>
             </a:r>
           </a:p>
           <a:p>
-            <a:endParaRPr lang="en-US" dirty="0" smtClean="0"/>
-          </a:p>
-          <a:p>
-            <a:r>
-              <a:rPr lang="en-US" dirty="0" smtClean="0"/>
+            <a:endParaRPr lang="en-US" dirty="0" smtClean="0">
+              <a:latin typeface="Arial" panose="020B0604020202020204" pitchFamily="34" charset="0"/>
+              <a:cs typeface="Arial" panose="020B0604020202020204" pitchFamily="34" charset="0"/>
+            </a:endParaRPr>
+          </a:p>
+          <a:p>
+            <a:r>
+              <a:rPr lang="en-US" dirty="0" smtClean="0">
+                <a:latin typeface="Arial" panose="020B0604020202020204" pitchFamily="34" charset="0"/>
+                <a:cs typeface="Arial" panose="020B0604020202020204" pitchFamily="34" charset="0"/>
+              </a:rPr>
               <a:t>Configurable via JSON object with executor type, iterations count and count of virtual users.</a:t>
             </a:r>
-            <a:endParaRPr lang="en-US" dirty="0"/>
+            <a:endParaRPr lang="en-US" dirty="0">
+              <a:latin typeface="Arial" panose="020B0604020202020204" pitchFamily="34" charset="0"/>
+              <a:cs typeface="Arial" panose="020B0604020202020204" pitchFamily="34" charset="0"/>
+            </a:endParaRPr>
           </a:p>
         </p:txBody>
       </p:sp>
@@ -5010,12 +5751,6 @@
               </a:rPr>
               <a:t>K6 run executor.js</a:t>
             </a:r>
-            <a:endParaRPr lang="en-US" dirty="0">
-              <a:solidFill>
-                <a:schemeClr val="accent1"/>
-              </a:solidFill>
-              <a:latin typeface="Consolas" panose="020B0609020204030204" pitchFamily="49" charset="0"/>
-            </a:endParaRPr>
           </a:p>
         </p:txBody>
       </p:sp>
@@ -5023,6 +5758,465 @@
     <p:extLst>
       <p:ext uri="{BB962C8B-B14F-4D97-AF65-F5344CB8AC3E}">
         <p14:creationId xmlns:p14="http://schemas.microsoft.com/office/powerpoint/2010/main" val="1221501761"/>
+      </p:ext>
+    </p:extLst>
+  </p:cSld>
+  <p:clrMapOvr>
+    <a:masterClrMapping/>
+  </p:clrMapOvr>
+  <p:timing>
+    <p:tnLst>
+      <p:par>
+        <p:cTn id="1" dur="indefinite" restart="never" nodeType="tmRoot"/>
+      </p:par>
+    </p:tnLst>
+  </p:timing>
+</p:sld>
+</file>
+
+<file path=ppt/slides/slide7.xml><?xml version="1.0" encoding="utf-8"?>
+<p:sld xmlns:a="http://schemas.openxmlformats.org/drawingml/2006/main" xmlns:r="http://schemas.openxmlformats.org/officeDocument/2006/relationships" xmlns:p="http://schemas.openxmlformats.org/presentationml/2006/main">
+  <p:cSld>
+    <p:spTree>
+      <p:nvGrpSpPr>
+        <p:cNvPr id="1" name=""/>
+        <p:cNvGrpSpPr/>
+        <p:nvPr/>
+      </p:nvGrpSpPr>
+      <p:grpSpPr>
+        <a:xfrm>
+          <a:off x="0" y="0"/>
+          <a:ext cx="0" cy="0"/>
+          <a:chOff x="0" y="0"/>
+          <a:chExt cx="0" cy="0"/>
+        </a:xfrm>
+      </p:grpSpPr>
+      <p:sp>
+        <p:nvSpPr>
+          <p:cNvPr id="2" name="Title 1"/>
+          <p:cNvSpPr>
+            <a:spLocks noGrp="1"/>
+          </p:cNvSpPr>
+          <p:nvPr>
+            <p:ph type="title"/>
+          </p:nvPr>
+        </p:nvSpPr>
+        <p:spPr/>
+        <p:txBody>
+          <a:bodyPr>
+            <a:normAutofit/>
+          </a:bodyPr>
+          <a:lstStyle/>
+          <a:p>
+            <a:r>
+              <a:rPr lang="en-US" sz="3200" b="1" dirty="0">
+                <a:solidFill>
+                  <a:schemeClr val="accent4"/>
+                </a:solidFill>
+                <a:latin typeface="Arial" panose="020B0604020202020204" pitchFamily="34" charset="0"/>
+                <a:ea typeface="+mn-ea"/>
+                <a:cs typeface="Arial" panose="020B0604020202020204" pitchFamily="34" charset="0"/>
+              </a:rPr>
+              <a:t>Custom Metrics</a:t>
+            </a:r>
+            <a:endParaRPr lang="en-US" sz="3200" b="1" dirty="0">
+              <a:solidFill>
+                <a:schemeClr val="accent4"/>
+              </a:solidFill>
+              <a:latin typeface="Arial" panose="020B0604020202020204" pitchFamily="34" charset="0"/>
+              <a:ea typeface="+mn-ea"/>
+              <a:cs typeface="Arial" panose="020B0604020202020204" pitchFamily="34" charset="0"/>
+            </a:endParaRPr>
+          </a:p>
+        </p:txBody>
+      </p:sp>
+      <p:sp>
+        <p:nvSpPr>
+          <p:cNvPr id="3" name="Content Placeholder 2"/>
+          <p:cNvSpPr>
+            <a:spLocks noGrp="1"/>
+          </p:cNvSpPr>
+          <p:nvPr>
+            <p:ph idx="1"/>
+          </p:nvPr>
+        </p:nvSpPr>
+        <p:spPr>
+          <a:xfrm>
+            <a:off x="718127" y="1520825"/>
+            <a:ext cx="10515600" cy="3402157"/>
+          </a:xfrm>
+        </p:spPr>
+        <p:txBody>
+          <a:bodyPr>
+            <a:normAutofit fontScale="85000" lnSpcReduction="20000"/>
+          </a:bodyPr>
+          <a:lstStyle/>
+          <a:p>
+            <a:r>
+              <a:rPr lang="en-US" dirty="0" smtClean="0">
+                <a:latin typeface="Arial" panose="020B0604020202020204" pitchFamily="34" charset="0"/>
+                <a:cs typeface="Arial" panose="020B0604020202020204" pitchFamily="34" charset="0"/>
+              </a:rPr>
+              <a:t>System metrics</a:t>
+            </a:r>
+          </a:p>
+          <a:p>
+            <a:pPr marL="0" indent="0">
+              <a:buNone/>
+            </a:pPr>
+            <a:r>
+              <a:rPr lang="en-US" dirty="0" smtClean="0">
+                <a:latin typeface="Arial" panose="020B0604020202020204" pitchFamily="34" charset="0"/>
+                <a:cs typeface="Arial" panose="020B0604020202020204" pitchFamily="34" charset="0"/>
+              </a:rPr>
+              <a:t>	Captures the counts of success, failures and trend , percentile of latency ranges. </a:t>
+            </a:r>
+          </a:p>
+          <a:p>
+            <a:pPr marL="0" indent="0">
+              <a:buNone/>
+            </a:pPr>
+            <a:endParaRPr lang="en-US" dirty="0" smtClean="0">
+              <a:latin typeface="Arial" panose="020B0604020202020204" pitchFamily="34" charset="0"/>
+              <a:cs typeface="Arial" panose="020B0604020202020204" pitchFamily="34" charset="0"/>
+            </a:endParaRPr>
+          </a:p>
+          <a:p>
+            <a:pPr marL="0" indent="0">
+              <a:buNone/>
+            </a:pPr>
+            <a:endParaRPr lang="en-US" dirty="0" smtClean="0">
+              <a:latin typeface="Arial" panose="020B0604020202020204" pitchFamily="34" charset="0"/>
+              <a:cs typeface="Arial" panose="020B0604020202020204" pitchFamily="34" charset="0"/>
+            </a:endParaRPr>
+          </a:p>
+          <a:p>
+            <a:r>
+              <a:rPr lang="en-US" dirty="0" smtClean="0">
+                <a:latin typeface="Arial" panose="020B0604020202020204" pitchFamily="34" charset="0"/>
+                <a:cs typeface="Arial" panose="020B0604020202020204" pitchFamily="34" charset="0"/>
+              </a:rPr>
+              <a:t>Custom metrics : To capture the information on authentication failures, bad data failures and business failures.</a:t>
+            </a:r>
+          </a:p>
+          <a:p>
+            <a:pPr marL="0" indent="0">
+              <a:buNone/>
+            </a:pPr>
+            <a:endParaRPr lang="en-US" dirty="0" smtClean="0"/>
+          </a:p>
+          <a:p>
+            <a:r>
+              <a:rPr lang="en-US" dirty="0" smtClean="0"/>
+              <a:t>");</a:t>
+            </a:r>
+            <a:endParaRPr lang="en-US" dirty="0"/>
+          </a:p>
+          <a:p>
+            <a:endParaRPr lang="en-US" dirty="0" smtClean="0"/>
+          </a:p>
+          <a:p>
+            <a:endParaRPr lang="en-US" dirty="0"/>
+          </a:p>
+        </p:txBody>
+      </p:sp>
+      <p:sp>
+        <p:nvSpPr>
+          <p:cNvPr id="4" name="Rectangle 3"/>
+          <p:cNvSpPr/>
+          <p:nvPr/>
+        </p:nvSpPr>
+        <p:spPr>
+          <a:xfrm>
+            <a:off x="1712088" y="4454638"/>
+            <a:ext cx="10322894" cy="2585323"/>
+          </a:xfrm>
+          <a:prstGeom prst="rect">
+            <a:avLst/>
+          </a:prstGeom>
+        </p:spPr>
+        <p:txBody>
+          <a:bodyPr wrap="square">
+            <a:spAutoFit/>
+          </a:bodyPr>
+          <a:lstStyle/>
+          <a:p>
+            <a:r>
+              <a:rPr lang="en-US" dirty="0" err="1"/>
+              <a:t>const</a:t>
+            </a:r>
+            <a:r>
+              <a:rPr lang="en-US" dirty="0"/>
+              <a:t> http403StatusCounter = new Counter("http403StatusCounter");</a:t>
+            </a:r>
+          </a:p>
+          <a:p>
+            <a:r>
+              <a:rPr lang="en-US" dirty="0" err="1"/>
+              <a:t>const</a:t>
+            </a:r>
+            <a:r>
+              <a:rPr lang="en-US" dirty="0"/>
+              <a:t> http200StatusCounter = new Counter("</a:t>
+            </a:r>
+            <a:r>
+              <a:rPr lang="en-US" dirty="0" smtClean="0"/>
+              <a:t>http200StatusCounter</a:t>
+            </a:r>
+          </a:p>
+          <a:p>
+            <a:endParaRPr lang="en-US" b="0" dirty="0">
+              <a:solidFill>
+                <a:srgbClr val="CCCCCC"/>
+              </a:solidFill>
+              <a:effectLst/>
+              <a:latin typeface="Consolas" panose="020B0609020204030204" pitchFamily="49" charset="0"/>
+            </a:endParaRPr>
+          </a:p>
+          <a:p>
+            <a:r>
+              <a:rPr lang="en-US" dirty="0"/>
+              <a:t> if (</a:t>
+            </a:r>
+            <a:r>
+              <a:rPr lang="en-US" dirty="0" err="1"/>
+              <a:t>res.status</a:t>
+            </a:r>
+            <a:r>
+              <a:rPr lang="en-US" dirty="0"/>
+              <a:t> === 200 ) {</a:t>
+            </a:r>
+          </a:p>
+          <a:p>
+            <a:r>
+              <a:rPr lang="en-US" dirty="0"/>
+              <a:t>    http200StatusCounter.add(1);</a:t>
+            </a:r>
+          </a:p>
+          <a:p>
+            <a:r>
+              <a:rPr lang="en-US" dirty="0"/>
+              <a:t>  } else if ( </a:t>
+            </a:r>
+            <a:r>
+              <a:rPr lang="en-US" dirty="0" err="1"/>
+              <a:t>res.status</a:t>
+            </a:r>
+            <a:r>
+              <a:rPr lang="en-US" dirty="0"/>
+              <a:t> === 403) {</a:t>
+            </a:r>
+          </a:p>
+          <a:p>
+            <a:r>
+              <a:rPr lang="en-US" dirty="0"/>
+              <a:t>    http403StatusCounter.add(1);</a:t>
+            </a:r>
+          </a:p>
+          <a:p>
+            <a:r>
+              <a:rPr lang="en-US" dirty="0"/>
+              <a:t>  }</a:t>
+            </a:r>
+          </a:p>
+          <a:p>
+            <a:endParaRPr lang="en-US" b="0" dirty="0">
+              <a:solidFill>
+                <a:srgbClr val="CCCCCC"/>
+              </a:solidFill>
+              <a:effectLst/>
+              <a:latin typeface="Consolas" panose="020B0609020204030204" pitchFamily="49" charset="0"/>
+            </a:endParaRPr>
+          </a:p>
+        </p:txBody>
+      </p:sp>
+    </p:spTree>
+    <p:extLst>
+      <p:ext uri="{BB962C8B-B14F-4D97-AF65-F5344CB8AC3E}">
+        <p14:creationId xmlns:p14="http://schemas.microsoft.com/office/powerpoint/2010/main" val="3676110298"/>
+      </p:ext>
+    </p:extLst>
+  </p:cSld>
+  <p:clrMapOvr>
+    <a:masterClrMapping/>
+  </p:clrMapOvr>
+</p:sld>
+</file>
+
+<file path=ppt/slides/slide8.xml><?xml version="1.0" encoding="utf-8"?>
+<p:sld xmlns:a="http://schemas.openxmlformats.org/drawingml/2006/main" xmlns:r="http://schemas.openxmlformats.org/officeDocument/2006/relationships" xmlns:p="http://schemas.openxmlformats.org/presentationml/2006/main">
+  <p:cSld>
+    <p:spTree>
+      <p:nvGrpSpPr>
+        <p:cNvPr id="1" name=""/>
+        <p:cNvGrpSpPr/>
+        <p:nvPr/>
+      </p:nvGrpSpPr>
+      <p:grpSpPr>
+        <a:xfrm>
+          <a:off x="0" y="0"/>
+          <a:ext cx="0" cy="0"/>
+          <a:chOff x="0" y="0"/>
+          <a:chExt cx="0" cy="0"/>
+        </a:xfrm>
+      </p:grpSpPr>
+      <p:sp>
+        <p:nvSpPr>
+          <p:cNvPr id="3" name="Content Placeholder 2"/>
+          <p:cNvSpPr>
+            <a:spLocks noGrp="1"/>
+          </p:cNvSpPr>
+          <p:nvPr>
+            <p:ph idx="1"/>
+          </p:nvPr>
+        </p:nvSpPr>
+        <p:spPr>
+          <a:xfrm>
+            <a:off x="1627471" y="7469433"/>
+            <a:ext cx="2005898" cy="1390112"/>
+          </a:xfrm>
+        </p:spPr>
+        <p:txBody>
+          <a:bodyPr>
+            <a:normAutofit/>
+          </a:bodyPr>
+          <a:lstStyle/>
+          <a:p>
+            <a:endParaRPr lang="en-US" dirty="0"/>
+          </a:p>
+          <a:p>
+            <a:endParaRPr lang="en-US" dirty="0" smtClean="0"/>
+          </a:p>
+          <a:p>
+            <a:endParaRPr lang="en-US" dirty="0"/>
+          </a:p>
+        </p:txBody>
+      </p:sp>
+      <p:pic>
+        <p:nvPicPr>
+          <p:cNvPr id="1026" name="Picture 2" descr="https://k6.io/docs/static/129625f8f242e856e1595acb55647209/3bc90/datadog-performance-testing-metrics.png"/>
+          <p:cNvPicPr>
+            <a:picLocks noChangeAspect="1" noChangeArrowheads="1"/>
+          </p:cNvPicPr>
+          <p:nvPr/>
+        </p:nvPicPr>
+        <p:blipFill>
+          <a:blip r:embed="rId2" cstate="print">
+            <a:extLst>
+              <a:ext uri="{28A0092B-C50C-407E-A947-70E740481C1C}">
+                <a14:useLocalDpi xmlns:a14="http://schemas.microsoft.com/office/drawing/2010/main" val="0"/>
+              </a:ext>
+            </a:extLst>
+          </a:blip>
+          <a:srcRect/>
+          <a:stretch>
+            <a:fillRect/>
+          </a:stretch>
+        </p:blipFill>
+        <p:spPr bwMode="auto">
+          <a:xfrm>
+            <a:off x="2071682" y="1856994"/>
+            <a:ext cx="7345631" cy="3657601"/>
+          </a:xfrm>
+          <a:prstGeom prst="rect">
+            <a:avLst/>
+          </a:prstGeom>
+          <a:noFill/>
+          <a:extLst>
+            <a:ext uri="{909E8E84-426E-40DD-AFC4-6F175D3DCCD1}">
+              <a14:hiddenFill xmlns:a14="http://schemas.microsoft.com/office/drawing/2010/main">
+                <a:solidFill>
+                  <a:srgbClr val="FFFFFF"/>
+                </a:solidFill>
+              </a14:hiddenFill>
+            </a:ext>
+          </a:extLst>
+        </p:spPr>
+      </p:pic>
+      <p:sp>
+        <p:nvSpPr>
+          <p:cNvPr id="4" name="Rectangle 3"/>
+          <p:cNvSpPr/>
+          <p:nvPr/>
+        </p:nvSpPr>
+        <p:spPr>
+          <a:xfrm>
+            <a:off x="3863608" y="6153789"/>
+            <a:ext cx="3393365" cy="369332"/>
+          </a:xfrm>
+          <a:prstGeom prst="rect">
+            <a:avLst/>
+          </a:prstGeom>
+        </p:spPr>
+        <p:txBody>
+          <a:bodyPr wrap="none">
+            <a:spAutoFit/>
+          </a:bodyPr>
+          <a:lstStyle/>
+          <a:p>
+            <a:r>
+              <a:rPr lang="en-US" dirty="0"/>
+              <a:t>k6 run --out output-</a:t>
+            </a:r>
+            <a:r>
+              <a:rPr lang="en-US" dirty="0" err="1"/>
+              <a:t>statsd</a:t>
+            </a:r>
+            <a:r>
+              <a:rPr lang="en-US" dirty="0"/>
+              <a:t> script.js</a:t>
+            </a:r>
+          </a:p>
+        </p:txBody>
+      </p:sp>
+      <p:sp>
+        <p:nvSpPr>
+          <p:cNvPr id="6" name="Title 1"/>
+          <p:cNvSpPr>
+            <a:spLocks noGrp="1"/>
+          </p:cNvSpPr>
+          <p:nvPr>
+            <p:ph type="title"/>
+          </p:nvPr>
+        </p:nvSpPr>
+        <p:spPr>
+          <a:xfrm>
+            <a:off x="838200" y="365125"/>
+            <a:ext cx="10515600" cy="1325563"/>
+          </a:xfrm>
+        </p:spPr>
+        <p:txBody>
+          <a:bodyPr>
+            <a:normAutofit/>
+          </a:bodyPr>
+          <a:lstStyle/>
+          <a:p>
+            <a:r>
+              <a:rPr lang="en-US" sz="3200" b="1" dirty="0" smtClean="0">
+                <a:solidFill>
+                  <a:schemeClr val="accent4"/>
+                </a:solidFill>
+                <a:latin typeface="Arial" panose="020B0604020202020204" pitchFamily="34" charset="0"/>
+                <a:ea typeface="+mn-ea"/>
+                <a:cs typeface="Arial" panose="020B0604020202020204" pitchFamily="34" charset="0"/>
+              </a:rPr>
+              <a:t>Real time Monitoring of K6 Tests</a:t>
+            </a:r>
+            <a:endParaRPr lang="en-US" sz="3200" b="1" dirty="0">
+              <a:solidFill>
+                <a:schemeClr val="accent4"/>
+              </a:solidFill>
+              <a:latin typeface="Arial" panose="020B0604020202020204" pitchFamily="34" charset="0"/>
+              <a:ea typeface="+mn-ea"/>
+              <a:cs typeface="Arial" panose="020B0604020202020204" pitchFamily="34" charset="0"/>
+            </a:endParaRPr>
+          </a:p>
+        </p:txBody>
+      </p:sp>
+    </p:spTree>
+    <p:extLst>
+      <p:ext uri="{BB962C8B-B14F-4D97-AF65-F5344CB8AC3E}">
+        <p14:creationId xmlns:p14="http://schemas.microsoft.com/office/powerpoint/2010/main" val="881872115"/>
       </p:ext>
     </p:extLst>
   </p:cSld>

--- a/K6 Performance Testing.pptx
+++ b/K6 Performance Testing.pptx
@@ -13,6 +13,7 @@
     <p:sldId id="271" r:id="rId7"/>
     <p:sldId id="272" r:id="rId8"/>
     <p:sldId id="273" r:id="rId9"/>
+    <p:sldId id="274" r:id="rId10"/>
   </p:sldIdLst>
   <p:sldSz cx="12192000" cy="6858000"/>
   <p:notesSz cx="6858000" cy="9144000"/>
@@ -3138,7 +3139,7 @@
           <a:p>
             <a:r>
               <a:rPr lang="en-US" b="1" dirty="0" smtClean="0"/>
-              <a:t>Through Put: 50/14</a:t>
+              <a:t>Through Put: 50/14 = ~3.5</a:t>
             </a:r>
             <a:endParaRPr lang="en-US" dirty="0"/>
           </a:p>
@@ -3575,8 +3576,8 @@
         </p:nvSpPr>
         <p:spPr>
           <a:xfrm>
-            <a:off x="1809723" y="6257515"/>
-            <a:ext cx="9513455" cy="369332"/>
+            <a:off x="1740252" y="6116210"/>
+            <a:ext cx="10996694" cy="830997"/>
           </a:xfrm>
           <a:prstGeom prst="rect">
             <a:avLst/>
@@ -3589,15 +3590,60 @@
           <a:lstStyle/>
           <a:p>
             <a:r>
-              <a:rPr lang="en-US" b="1" dirty="0">
+              <a:rPr lang="en-US" sz="1600" dirty="0">
                 <a:solidFill>
                   <a:srgbClr val="222222"/>
                 </a:solidFill>
-                <a:latin typeface="-apple-system"/>
-              </a:rPr>
-              <a:t>User Load=Transactions per second * (Response Time + Total Think Time + Pacing)</a:t>
-            </a:r>
-            <a:endParaRPr lang="en-US" dirty="0"/>
+                <a:latin typeface="Arial" panose="020B0604020202020204" pitchFamily="34" charset="0"/>
+                <a:cs typeface="Arial" panose="020B0604020202020204" pitchFamily="34" charset="0"/>
+              </a:rPr>
+              <a:t>User </a:t>
+            </a:r>
+            <a:r>
+              <a:rPr lang="en-US" sz="1600" dirty="0" smtClean="0">
+                <a:solidFill>
+                  <a:srgbClr val="222222"/>
+                </a:solidFill>
+                <a:latin typeface="Arial" panose="020B0604020202020204" pitchFamily="34" charset="0"/>
+                <a:cs typeface="Arial" panose="020B0604020202020204" pitchFamily="34" charset="0"/>
+              </a:rPr>
+              <a:t>Load          =</a:t>
+            </a:r>
+            <a:r>
+              <a:rPr lang="en-US" sz="1600" dirty="0">
+                <a:solidFill>
+                  <a:srgbClr val="222222"/>
+                </a:solidFill>
+                <a:latin typeface="Arial" panose="020B0604020202020204" pitchFamily="34" charset="0"/>
+                <a:cs typeface="Arial" panose="020B0604020202020204" pitchFamily="34" charset="0"/>
+              </a:rPr>
+              <a:t>Transactions per second * (Response Time + Total Think Time + Pacing</a:t>
+            </a:r>
+            <a:r>
+              <a:rPr lang="en-US" sz="1600" dirty="0" smtClean="0">
+                <a:solidFill>
+                  <a:srgbClr val="222222"/>
+                </a:solidFill>
+                <a:latin typeface="Arial" panose="020B0604020202020204" pitchFamily="34" charset="0"/>
+                <a:cs typeface="Arial" panose="020B0604020202020204" pitchFamily="34" charset="0"/>
+              </a:rPr>
+              <a:t>)</a:t>
+            </a:r>
+          </a:p>
+          <a:p>
+            <a:r>
+              <a:rPr lang="en-US" sz="1600" dirty="0" smtClean="0">
+                <a:solidFill>
+                  <a:srgbClr val="222222"/>
+                </a:solidFill>
+                <a:latin typeface="Arial" panose="020B0604020202020204" pitchFamily="34" charset="0"/>
+                <a:cs typeface="Arial" panose="020B0604020202020204" pitchFamily="34" charset="0"/>
+              </a:rPr>
+              <a:t>Or Virtual Users</a:t>
+            </a:r>
+          </a:p>
+          <a:p>
+            <a:endParaRPr lang="en-US" sz="1600" dirty="0"/>
           </a:p>
         </p:txBody>
       </p:sp>
@@ -3610,7 +3656,7 @@
         <p:spPr>
           <a:xfrm>
             <a:off x="333513" y="5348684"/>
-            <a:ext cx="2210903" cy="461665"/>
+            <a:ext cx="2210903" cy="646331"/>
           </a:xfrm>
           <a:prstGeom prst="rect">
             <a:avLst/>
@@ -3624,17 +3670,21 @@
           <a:lstStyle/>
           <a:p>
             <a:r>
-              <a:rPr lang="en-US" sz="2400" dirty="0" smtClean="0">
-                <a:solidFill>
-                  <a:schemeClr val="accent5"/>
+              <a:rPr lang="en-US" sz="3600" dirty="0" smtClean="0">
+                <a:solidFill>
+                  <a:schemeClr val="accent4">
+                    <a:lumMod val="50000"/>
+                  </a:schemeClr>
                 </a:solidFill>
                 <a:latin typeface="Blackadder ITC" panose="04020505051007020D02" pitchFamily="82" charset="0"/>
               </a:rPr>
               <a:t>Little’s Law</a:t>
             </a:r>
-            <a:endParaRPr lang="en-US" sz="2400" dirty="0">
+            <a:endParaRPr lang="en-US" sz="3600" dirty="0">
               <a:solidFill>
-                <a:schemeClr val="accent5"/>
+                <a:schemeClr val="accent4">
+                  <a:lumMod val="50000"/>
+                </a:schemeClr>
               </a:solidFill>
               <a:latin typeface="Blackadder ITC" panose="04020505051007020D02" pitchFamily="82" charset="0"/>
             </a:endParaRPr>
@@ -3671,7 +3721,7 @@
           <a:p>
             <a:r>
               <a:rPr lang="en-US" b="1" dirty="0" smtClean="0"/>
-              <a:t>Throughput : 5/9  = ~.05</a:t>
+              <a:t>Throughput : 5/9  = ~.56</a:t>
             </a:r>
             <a:endParaRPr lang="en-US" dirty="0"/>
           </a:p>
@@ -4206,8 +4256,19 @@
                 <a:latin typeface="Arial" panose="020B0604020202020204" pitchFamily="34" charset="0"/>
                 <a:cs typeface="Arial" panose="020B0604020202020204" pitchFamily="34" charset="0"/>
               </a:rPr>
-              <a:t>K6 create</a:t>
-            </a:r>
+              <a:t>K6 </a:t>
+            </a:r>
+            <a:r>
+              <a:rPr lang="en-US" sz="1900" dirty="0" smtClean="0">
+                <a:latin typeface="Arial" panose="020B0604020202020204" pitchFamily="34" charset="0"/>
+                <a:cs typeface="Arial" panose="020B0604020202020204" pitchFamily="34" charset="0"/>
+              </a:rPr>
+              <a:t>new</a:t>
+            </a:r>
+            <a:endParaRPr lang="en-US" sz="1900" dirty="0" smtClean="0">
+              <a:latin typeface="Arial" panose="020B0604020202020204" pitchFamily="34" charset="0"/>
+              <a:cs typeface="Arial" panose="020B0604020202020204" pitchFamily="34" charset="0"/>
+            </a:endParaRPr>
           </a:p>
           <a:p>
             <a:pPr marL="0" indent="0">
@@ -6217,6 +6278,131 @@
     <p:extLst>
       <p:ext uri="{BB962C8B-B14F-4D97-AF65-F5344CB8AC3E}">
         <p14:creationId xmlns:p14="http://schemas.microsoft.com/office/powerpoint/2010/main" val="881872115"/>
+      </p:ext>
+    </p:extLst>
+  </p:cSld>
+  <p:clrMapOvr>
+    <a:masterClrMapping/>
+  </p:clrMapOvr>
+</p:sld>
+</file>
+
+<file path=ppt/slides/slide9.xml><?xml version="1.0" encoding="utf-8"?>
+<p:sld xmlns:a="http://schemas.openxmlformats.org/drawingml/2006/main" xmlns:r="http://schemas.openxmlformats.org/officeDocument/2006/relationships" xmlns:p="http://schemas.openxmlformats.org/presentationml/2006/main">
+  <p:cSld>
+    <p:spTree>
+      <p:nvGrpSpPr>
+        <p:cNvPr id="1" name=""/>
+        <p:cNvGrpSpPr/>
+        <p:nvPr/>
+      </p:nvGrpSpPr>
+      <p:grpSpPr>
+        <a:xfrm>
+          <a:off x="0" y="0"/>
+          <a:ext cx="0" cy="0"/>
+          <a:chOff x="0" y="0"/>
+          <a:chExt cx="0" cy="0"/>
+        </a:xfrm>
+      </p:grpSpPr>
+      <p:sp>
+        <p:nvSpPr>
+          <p:cNvPr id="2" name="Title 1"/>
+          <p:cNvSpPr>
+            <a:spLocks noGrp="1"/>
+          </p:cNvSpPr>
+          <p:nvPr>
+            <p:ph type="title"/>
+          </p:nvPr>
+        </p:nvSpPr>
+        <p:spPr/>
+        <p:txBody>
+          <a:bodyPr>
+            <a:normAutofit/>
+          </a:bodyPr>
+          <a:lstStyle/>
+          <a:p>
+            <a:r>
+              <a:rPr lang="en-US" sz="3200" b="1" dirty="0">
+                <a:solidFill>
+                  <a:schemeClr val="accent4"/>
+                </a:solidFill>
+                <a:latin typeface="Arial" panose="020B0604020202020204" pitchFamily="34" charset="0"/>
+                <a:ea typeface="+mn-ea"/>
+                <a:cs typeface="Arial" panose="020B0604020202020204" pitchFamily="34" charset="0"/>
+              </a:rPr>
+              <a:t>GitHub Link</a:t>
+            </a:r>
+            <a:endParaRPr lang="en-US" sz="3200" b="1" dirty="0">
+              <a:solidFill>
+                <a:schemeClr val="accent4"/>
+              </a:solidFill>
+              <a:latin typeface="Arial" panose="020B0604020202020204" pitchFamily="34" charset="0"/>
+              <a:ea typeface="+mn-ea"/>
+              <a:cs typeface="Arial" panose="020B0604020202020204" pitchFamily="34" charset="0"/>
+            </a:endParaRPr>
+          </a:p>
+        </p:txBody>
+      </p:sp>
+      <p:sp>
+        <p:nvSpPr>
+          <p:cNvPr id="3" name="Content Placeholder 2"/>
+          <p:cNvSpPr>
+            <a:spLocks noGrp="1"/>
+          </p:cNvSpPr>
+          <p:nvPr>
+            <p:ph idx="1"/>
+          </p:nvPr>
+        </p:nvSpPr>
+        <p:spPr/>
+        <p:txBody>
+          <a:bodyPr/>
+          <a:lstStyle/>
+          <a:p>
+            <a:endParaRPr lang="en-US" dirty="0" smtClean="0"/>
+          </a:p>
+          <a:p>
+            <a:endParaRPr lang="en-US" dirty="0"/>
+          </a:p>
+          <a:p>
+            <a:endParaRPr lang="en-US" dirty="0" smtClean="0"/>
+          </a:p>
+          <a:p>
+            <a:endParaRPr lang="en-US" dirty="0"/>
+          </a:p>
+        </p:txBody>
+      </p:sp>
+      <p:sp>
+        <p:nvSpPr>
+          <p:cNvPr id="4" name="Rectangle 3"/>
+          <p:cNvSpPr/>
+          <p:nvPr/>
+        </p:nvSpPr>
+        <p:spPr>
+          <a:xfrm>
+            <a:off x="2868876" y="2893352"/>
+            <a:ext cx="5161156" cy="369332"/>
+          </a:xfrm>
+          <a:prstGeom prst="rect">
+            <a:avLst/>
+          </a:prstGeom>
+        </p:spPr>
+        <p:txBody>
+          <a:bodyPr wrap="none">
+            <a:spAutoFit/>
+          </a:bodyPr>
+          <a:lstStyle/>
+          <a:p>
+            <a:r>
+              <a:rPr lang="en-US" dirty="0"/>
+              <a:t>https://github.com/sreelakshminarayanan/k6-primer</a:t>
+            </a:r>
+          </a:p>
+        </p:txBody>
+      </p:sp>
+    </p:spTree>
+    <p:extLst>
+      <p:ext uri="{BB962C8B-B14F-4D97-AF65-F5344CB8AC3E}">
+        <p14:creationId xmlns:p14="http://schemas.microsoft.com/office/powerpoint/2010/main" val="1353126767"/>
       </p:ext>
     </p:extLst>
   </p:cSld>
